--- a/프레젠테이션1.pptx
+++ b/프레젠테이션1.pptx
@@ -3422,7 +3422,7 @@
         </p:nvSpPr>
         <p:spPr>
           <a:xfrm>
-            <a:off x="1082039" y="2712720"/>
+            <a:off x="1080729" y="2962841"/>
             <a:ext cx="1493520" cy="327660"/>
           </a:xfrm>
           <a:prstGeom prst="rect">
@@ -3493,25 +3493,66 @@
       </p:sp>
       <p:sp>
         <p:nvSpPr>
-          <p:cNvPr id="6" name="직사각형 5">
-            <a:extLst>
-              <a:ext uri="{FF2B5EF4-FFF2-40B4-BE49-F238E27FC236}">
-                <a16:creationId xmlns:a16="http://schemas.microsoft.com/office/drawing/2014/main" id="{5565BE9D-CFC9-0D87-FC23-001614E395CC}"/>
-              </a:ext>
-            </a:extLst>
-          </p:cNvPr>
-          <p:cNvSpPr/>
+          <p:cNvPr id="7" name="TextBox 6">
+            <a:extLst>
+              <a:ext uri="{FF2B5EF4-FFF2-40B4-BE49-F238E27FC236}">
+                <a16:creationId xmlns:a16="http://schemas.microsoft.com/office/drawing/2014/main" id="{2C70501A-C8DC-7E83-92DE-7DB98784CE95}"/>
+              </a:ext>
+            </a:extLst>
+          </p:cNvPr>
+          <p:cNvSpPr txBox="1"/>
           <p:nvPr/>
         </p:nvSpPr>
         <p:spPr>
           <a:xfrm>
-            <a:off x="1082039" y="3196828"/>
-            <a:ext cx="1493520" cy="327660"/>
+            <a:off x="1179790" y="3003560"/>
+            <a:ext cx="569387" cy="246221"/>
           </a:xfrm>
           <a:prstGeom prst="rect">
             <a:avLst/>
           </a:prstGeom>
           <a:noFill/>
+        </p:spPr>
+        <p:txBody>
+          <a:bodyPr wrap="none" rtlCol="0">
+            <a:spAutoFit/>
+          </a:bodyPr>
+          <a:lstStyle/>
+          <a:p>
+            <a:r>
+              <a:rPr lang="ko-KR" altLang="en-US" sz="1000">
+                <a:solidFill>
+                  <a:schemeClr val="tx1">
+                    <a:lumMod val="65000"/>
+                    <a:lumOff val="35000"/>
+                  </a:schemeClr>
+                </a:solidFill>
+              </a:rPr>
+              <a:t>아이디</a:t>
+            </a:r>
+          </a:p>
+        </p:txBody>
+      </p:sp>
+      <p:sp>
+        <p:nvSpPr>
+          <p:cNvPr id="9" name="직사각형 8">
+            <a:extLst>
+              <a:ext uri="{FF2B5EF4-FFF2-40B4-BE49-F238E27FC236}">
+                <a16:creationId xmlns:a16="http://schemas.microsoft.com/office/drawing/2014/main" id="{57C11B5C-87F0-52A4-6CE6-6329A5BE88C4}"/>
+              </a:ext>
+            </a:extLst>
+          </p:cNvPr>
+          <p:cNvSpPr/>
+          <p:nvPr/>
+        </p:nvSpPr>
+        <p:spPr>
+          <a:xfrm>
+            <a:off x="1318891" y="3731180"/>
+            <a:ext cx="1019815" cy="327660"/>
+          </a:xfrm>
+          <a:prstGeom prst="rect">
+            <a:avLst/>
+          </a:prstGeom>
         </p:spPr>
         <p:style>
           <a:lnRef idx="2">
@@ -3534,136 +3575,6 @@
           <a:lstStyle/>
           <a:p>
             <a:pPr algn="ctr"/>
-            <a:endParaRPr lang="ko-KR" altLang="en-US" dirty="0"/>
-          </a:p>
-        </p:txBody>
-      </p:sp>
-      <p:sp>
-        <p:nvSpPr>
-          <p:cNvPr id="7" name="TextBox 6">
-            <a:extLst>
-              <a:ext uri="{FF2B5EF4-FFF2-40B4-BE49-F238E27FC236}">
-                <a16:creationId xmlns:a16="http://schemas.microsoft.com/office/drawing/2014/main" id="{2C70501A-C8DC-7E83-92DE-7DB98784CE95}"/>
-              </a:ext>
-            </a:extLst>
-          </p:cNvPr>
-          <p:cNvSpPr txBox="1"/>
-          <p:nvPr/>
-        </p:nvSpPr>
-        <p:spPr>
-          <a:xfrm>
-            <a:off x="1181100" y="2753439"/>
-            <a:ext cx="569387" cy="246221"/>
-          </a:xfrm>
-          <a:prstGeom prst="rect">
-            <a:avLst/>
-          </a:prstGeom>
-          <a:noFill/>
-        </p:spPr>
-        <p:txBody>
-          <a:bodyPr wrap="none" rtlCol="0">
-            <a:spAutoFit/>
-          </a:bodyPr>
-          <a:lstStyle/>
-          <a:p>
-            <a:r>
-              <a:rPr lang="ko-KR" altLang="en-US" sz="1000">
-                <a:solidFill>
-                  <a:schemeClr val="tx1">
-                    <a:lumMod val="65000"/>
-                    <a:lumOff val="35000"/>
-                  </a:schemeClr>
-                </a:solidFill>
-              </a:rPr>
-              <a:t>아이디</a:t>
-            </a:r>
-          </a:p>
-        </p:txBody>
-      </p:sp>
-      <p:sp>
-        <p:nvSpPr>
-          <p:cNvPr id="8" name="TextBox 7">
-            <a:extLst>
-              <a:ext uri="{FF2B5EF4-FFF2-40B4-BE49-F238E27FC236}">
-                <a16:creationId xmlns:a16="http://schemas.microsoft.com/office/drawing/2014/main" id="{E0851B9B-AA91-6140-1EF3-806F97148801}"/>
-              </a:ext>
-            </a:extLst>
-          </p:cNvPr>
-          <p:cNvSpPr txBox="1"/>
-          <p:nvPr/>
-        </p:nvSpPr>
-        <p:spPr>
-          <a:xfrm>
-            <a:off x="1181100" y="3237547"/>
-            <a:ext cx="697627" cy="246221"/>
-          </a:xfrm>
-          <a:prstGeom prst="rect">
-            <a:avLst/>
-          </a:prstGeom>
-          <a:noFill/>
-        </p:spPr>
-        <p:txBody>
-          <a:bodyPr wrap="none" rtlCol="0">
-            <a:spAutoFit/>
-          </a:bodyPr>
-          <a:lstStyle/>
-          <a:p>
-            <a:r>
-              <a:rPr lang="ko-KR" altLang="en-US" sz="1000" dirty="0">
-                <a:solidFill>
-                  <a:schemeClr val="tx1">
-                    <a:lumMod val="65000"/>
-                    <a:lumOff val="35000"/>
-                  </a:schemeClr>
-                </a:solidFill>
-              </a:rPr>
-              <a:t>패스워드</a:t>
-            </a:r>
-          </a:p>
-        </p:txBody>
-      </p:sp>
-      <p:sp>
-        <p:nvSpPr>
-          <p:cNvPr id="9" name="직사각형 8">
-            <a:extLst>
-              <a:ext uri="{FF2B5EF4-FFF2-40B4-BE49-F238E27FC236}">
-                <a16:creationId xmlns:a16="http://schemas.microsoft.com/office/drawing/2014/main" id="{57C11B5C-87F0-52A4-6CE6-6329A5BE88C4}"/>
-              </a:ext>
-            </a:extLst>
-          </p:cNvPr>
-          <p:cNvSpPr/>
-          <p:nvPr/>
-        </p:nvSpPr>
-        <p:spPr>
-          <a:xfrm>
-            <a:off x="1318891" y="3731180"/>
-            <a:ext cx="1019815" cy="327660"/>
-          </a:xfrm>
-          <a:prstGeom prst="rect">
-            <a:avLst/>
-          </a:prstGeom>
-        </p:spPr>
-        <p:style>
-          <a:lnRef idx="2">
-            <a:schemeClr val="accent1">
-              <a:shade val="50000"/>
-            </a:schemeClr>
-          </a:lnRef>
-          <a:fillRef idx="1">
-            <a:schemeClr val="accent1"/>
-          </a:fillRef>
-          <a:effectRef idx="0">
-            <a:schemeClr val="accent1"/>
-          </a:effectRef>
-          <a:fontRef idx="minor">
-            <a:schemeClr val="lt1"/>
-          </a:fontRef>
-        </p:style>
-        <p:txBody>
-          <a:bodyPr rtlCol="0" anchor="ctr"/>
-          <a:lstStyle/>
-          <a:p>
-            <a:pPr algn="ctr"/>
             <a:r>
               <a:rPr lang="ko-KR" altLang="en-US" sz="1400"/>
               <a:t>로그인</a:t>
@@ -3671,61 +3582,12 @@
           </a:p>
         </p:txBody>
       </p:sp>
-      <p:sp>
-        <p:nvSpPr>
-          <p:cNvPr id="10" name="직사각형 9">
-            <a:extLst>
-              <a:ext uri="{FF2B5EF4-FFF2-40B4-BE49-F238E27FC236}">
-                <a16:creationId xmlns:a16="http://schemas.microsoft.com/office/drawing/2014/main" id="{F9EEA107-7B65-57DF-C1B9-FA5A8479DB3D}"/>
-              </a:ext>
-            </a:extLst>
-          </p:cNvPr>
-          <p:cNvSpPr/>
-          <p:nvPr/>
-        </p:nvSpPr>
-        <p:spPr>
-          <a:xfrm>
-            <a:off x="1318891" y="4217313"/>
-            <a:ext cx="1019815" cy="327660"/>
-          </a:xfrm>
-          <a:prstGeom prst="rect">
-            <a:avLst/>
-          </a:prstGeom>
-        </p:spPr>
-        <p:style>
-          <a:lnRef idx="2">
-            <a:schemeClr val="accent1">
-              <a:shade val="50000"/>
-            </a:schemeClr>
-          </a:lnRef>
-          <a:fillRef idx="1">
-            <a:schemeClr val="accent1"/>
-          </a:fillRef>
-          <a:effectRef idx="0">
-            <a:schemeClr val="accent1"/>
-          </a:effectRef>
-          <a:fontRef idx="minor">
-            <a:schemeClr val="lt1"/>
-          </a:fontRef>
-        </p:style>
-        <p:txBody>
-          <a:bodyPr rtlCol="0" anchor="ctr"/>
-          <a:lstStyle/>
-          <a:p>
-            <a:pPr algn="ctr"/>
-            <a:r>
-              <a:rPr lang="ko-KR" altLang="en-US" sz="1400" dirty="0"/>
-              <a:t>회원가입</a:t>
-            </a:r>
-          </a:p>
-        </p:txBody>
-      </p:sp>
       <p:pic>
         <p:nvPicPr>
-          <p:cNvPr id="11" name="Picture 2" descr="핸드폰 상자 | 상자, 배경">
-            <a:extLst>
-              <a:ext uri="{FF2B5EF4-FFF2-40B4-BE49-F238E27FC236}">
-                <a16:creationId xmlns:a16="http://schemas.microsoft.com/office/drawing/2014/main" id="{9E97834B-8C82-57F7-32F8-3EC7C66FE7DD}"/>
+          <p:cNvPr id="31" name="Picture 2" descr="핸드폰 상자 | 상자, 배경">
+            <a:extLst>
+              <a:ext uri="{FF2B5EF4-FFF2-40B4-BE49-F238E27FC236}">
+                <a16:creationId xmlns:a16="http://schemas.microsoft.com/office/drawing/2014/main" id="{8685F65C-ADCE-9915-831D-810073421241}"/>
               </a:ext>
             </a:extLst>
           </p:cNvPr>
@@ -3773,7 +3635,7 @@
         </p:blipFill>
         <p:spPr bwMode="auto">
           <a:xfrm>
-            <a:off x="3351454" y="1047750"/>
+            <a:off x="4341398" y="1047750"/>
             <a:ext cx="2448000" cy="4762500"/>
           </a:xfrm>
           <a:prstGeom prst="rect">
@@ -3791,95 +3653,48 @@
           </a:extLst>
         </p:spPr>
       </p:pic>
-      <p:sp>
-        <p:nvSpPr>
-          <p:cNvPr id="12" name="TextBox 11">
-            <a:extLst>
-              <a:ext uri="{FF2B5EF4-FFF2-40B4-BE49-F238E27FC236}">
-                <a16:creationId xmlns:a16="http://schemas.microsoft.com/office/drawing/2014/main" id="{DFC213A9-56BB-EF7F-9A10-B62F207492F2}"/>
-              </a:ext>
-            </a:extLst>
-          </p:cNvPr>
-          <p:cNvSpPr txBox="1"/>
+      <p:cxnSp>
+        <p:nvCxnSpPr>
+          <p:cNvPr id="1025" name="직선 연결선 1024">
+            <a:extLst>
+              <a:ext uri="{FF2B5EF4-FFF2-40B4-BE49-F238E27FC236}">
+                <a16:creationId xmlns:a16="http://schemas.microsoft.com/office/drawing/2014/main" id="{1D7D669C-B92F-5310-CD38-CDF693F6F087}"/>
+              </a:ext>
+            </a:extLst>
+          </p:cNvPr>
+          <p:cNvCxnSpPr/>
           <p:nvPr/>
-        </p:nvSpPr>
+        </p:nvCxnSpPr>
         <p:spPr>
           <a:xfrm>
-            <a:off x="4021456" y="2185392"/>
-            <a:ext cx="1107996" cy="369332"/>
-          </a:xfrm>
-          <a:prstGeom prst="rect">
+            <a:off x="4734818" y="2196822"/>
+            <a:ext cx="1661160" cy="0"/>
+          </a:xfrm>
+          <a:prstGeom prst="line">
             <a:avLst/>
           </a:prstGeom>
-          <a:noFill/>
-        </p:spPr>
-        <p:txBody>
-          <a:bodyPr wrap="none" rtlCol="0">
-            <a:spAutoFit/>
-          </a:bodyPr>
-          <a:lstStyle/>
-          <a:p>
-            <a:r>
-              <a:rPr lang="ko-KR" altLang="en-US"/>
-              <a:t>회원가입</a:t>
-            </a:r>
-            <a:endParaRPr lang="ko-KR" altLang="en-US" dirty="0"/>
-          </a:p>
-        </p:txBody>
-      </p:sp>
-      <p:sp>
-        <p:nvSpPr>
-          <p:cNvPr id="13" name="직사각형 12">
-            <a:extLst>
-              <a:ext uri="{FF2B5EF4-FFF2-40B4-BE49-F238E27FC236}">
-                <a16:creationId xmlns:a16="http://schemas.microsoft.com/office/drawing/2014/main" id="{A1F700D6-E54A-5ED0-49F7-68FAEAC93613}"/>
-              </a:ext>
-            </a:extLst>
-          </p:cNvPr>
-          <p:cNvSpPr/>
-          <p:nvPr/>
-        </p:nvSpPr>
-        <p:spPr>
-          <a:xfrm>
-            <a:off x="3842253" y="2632948"/>
-            <a:ext cx="1493520" cy="327660"/>
-          </a:xfrm>
-          <a:prstGeom prst="rect">
-            <a:avLst/>
-          </a:prstGeom>
-          <a:noFill/>
         </p:spPr>
         <p:style>
-          <a:lnRef idx="2">
-            <a:schemeClr val="accent1">
-              <a:shade val="50000"/>
-            </a:schemeClr>
+          <a:lnRef idx="1">
+            <a:schemeClr val="accent1"/>
           </a:lnRef>
-          <a:fillRef idx="1">
+          <a:fillRef idx="0">
             <a:schemeClr val="accent1"/>
           </a:fillRef>
           <a:effectRef idx="0">
             <a:schemeClr val="accent1"/>
           </a:effectRef>
           <a:fontRef idx="minor">
-            <a:schemeClr val="lt1"/>
+            <a:schemeClr val="tx1"/>
           </a:fontRef>
         </p:style>
-        <p:txBody>
-          <a:bodyPr rtlCol="0" anchor="ctr"/>
-          <a:lstStyle/>
-          <a:p>
-            <a:pPr algn="ctr"/>
-            <a:endParaRPr lang="ko-KR" altLang="en-US" dirty="0"/>
-          </a:p>
-        </p:txBody>
-      </p:sp>
-      <p:sp>
-        <p:nvSpPr>
-          <p:cNvPr id="14" name="TextBox 13">
-            <a:extLst>
-              <a:ext uri="{FF2B5EF4-FFF2-40B4-BE49-F238E27FC236}">
-                <a16:creationId xmlns:a16="http://schemas.microsoft.com/office/drawing/2014/main" id="{65297F7C-378A-E612-A98D-FE143522FCB8}"/>
+      </p:cxnSp>
+      <p:sp>
+        <p:nvSpPr>
+          <p:cNvPr id="1027" name="TextBox 1026">
+            <a:extLst>
+              <a:ext uri="{FF2B5EF4-FFF2-40B4-BE49-F238E27FC236}">
+                <a16:creationId xmlns:a16="http://schemas.microsoft.com/office/drawing/2014/main" id="{944FA7B0-0F05-D34A-4097-32510A78A0AA}"/>
               </a:ext>
             </a:extLst>
           </p:cNvPr>
@@ -3888,8 +3703,8 @@
         </p:nvSpPr>
         <p:spPr>
           <a:xfrm>
-            <a:off x="3941314" y="2673667"/>
-            <a:ext cx="569387" cy="246221"/>
+            <a:off x="4782742" y="1827490"/>
+            <a:ext cx="877163" cy="369332"/>
           </a:xfrm>
           <a:prstGeom prst="rect">
             <a:avLst/>
@@ -3903,72 +3718,59 @@
           <a:lstStyle/>
           <a:p>
             <a:r>
-              <a:rPr lang="ko-KR" altLang="en-US" sz="1000">
-                <a:solidFill>
-                  <a:schemeClr val="tx1">
-                    <a:lumMod val="65000"/>
-                    <a:lumOff val="35000"/>
-                  </a:schemeClr>
-                </a:solidFill>
-              </a:rPr>
-              <a:t>아이디</a:t>
-            </a:r>
-          </a:p>
-        </p:txBody>
-      </p:sp>
-      <p:sp>
-        <p:nvSpPr>
-          <p:cNvPr id="23" name="직사각형 22">
-            <a:extLst>
-              <a:ext uri="{FF2B5EF4-FFF2-40B4-BE49-F238E27FC236}">
-                <a16:creationId xmlns:a16="http://schemas.microsoft.com/office/drawing/2014/main" id="{CAB0C146-5813-944B-5D3A-CC685BA7B42F}"/>
-              </a:ext>
-            </a:extLst>
-          </p:cNvPr>
-          <p:cNvSpPr/>
+              <a:rPr lang="ko-KR" altLang="en-US" dirty="0"/>
+              <a:t>나 </a:t>
+            </a:r>
+            <a:r>
+              <a:rPr lang="en-US" altLang="ko-KR" dirty="0"/>
+              <a:t>: a1</a:t>
+            </a:r>
+            <a:endParaRPr lang="ko-KR" altLang="en-US" dirty="0"/>
+          </a:p>
+        </p:txBody>
+      </p:sp>
+      <p:sp>
+        <p:nvSpPr>
+          <p:cNvPr id="2" name="TextBox 1">
+            <a:extLst>
+              <a:ext uri="{FF2B5EF4-FFF2-40B4-BE49-F238E27FC236}">
+                <a16:creationId xmlns:a16="http://schemas.microsoft.com/office/drawing/2014/main" id="{0B0E7CA1-8EF5-B6C6-70CA-3B58FD26B690}"/>
+              </a:ext>
+            </a:extLst>
+          </p:cNvPr>
+          <p:cNvSpPr txBox="1"/>
           <p:nvPr/>
         </p:nvSpPr>
         <p:spPr>
           <a:xfrm>
-            <a:off x="3842253" y="3281303"/>
-            <a:ext cx="1493520" cy="327660"/>
+            <a:off x="4749609" y="2311330"/>
+            <a:ext cx="1631577" cy="276999"/>
           </a:xfrm>
           <a:prstGeom prst="rect">
             <a:avLst/>
           </a:prstGeom>
           <a:noFill/>
         </p:spPr>
-        <p:style>
-          <a:lnRef idx="2">
-            <a:schemeClr val="accent1">
-              <a:shade val="50000"/>
-            </a:schemeClr>
-          </a:lnRef>
-          <a:fillRef idx="1">
-            <a:schemeClr val="accent1"/>
-          </a:fillRef>
-          <a:effectRef idx="0">
-            <a:schemeClr val="accent1"/>
-          </a:effectRef>
-          <a:fontRef idx="minor">
-            <a:schemeClr val="lt1"/>
-          </a:fontRef>
-        </p:style>
-        <p:txBody>
-          <a:bodyPr rtlCol="0" anchor="ctr"/>
+        <p:txBody>
+          <a:bodyPr wrap="square" rtlCol="0">
+            <a:spAutoFit/>
+          </a:bodyPr>
           <a:lstStyle/>
           <a:p>
             <a:pPr algn="ctr"/>
-            <a:endParaRPr lang="ko-KR" altLang="en-US" dirty="0"/>
-          </a:p>
-        </p:txBody>
-      </p:sp>
-      <p:sp>
-        <p:nvSpPr>
-          <p:cNvPr id="24" name="TextBox 23">
-            <a:extLst>
-              <a:ext uri="{FF2B5EF4-FFF2-40B4-BE49-F238E27FC236}">
-                <a16:creationId xmlns:a16="http://schemas.microsoft.com/office/drawing/2014/main" id="{B2C06C6A-671B-04EA-CEC1-3C8A071A83A7}"/>
+            <a:r>
+              <a:rPr lang="ko-KR" altLang="en-US" sz="1200"/>
+              <a:t>현재 접속중인 멤버</a:t>
+            </a:r>
+          </a:p>
+        </p:txBody>
+      </p:sp>
+      <p:sp>
+        <p:nvSpPr>
+          <p:cNvPr id="15" name="TextBox 14">
+            <a:extLst>
+              <a:ext uri="{FF2B5EF4-FFF2-40B4-BE49-F238E27FC236}">
+                <a16:creationId xmlns:a16="http://schemas.microsoft.com/office/drawing/2014/main" id="{BBAD3AAE-57CE-47E4-7700-375C41BCBC69}"/>
               </a:ext>
             </a:extLst>
           </p:cNvPr>
@@ -3977,8 +3779,8 @@
         </p:nvSpPr>
         <p:spPr>
           <a:xfrm>
-            <a:off x="3941314" y="3322022"/>
-            <a:ext cx="697627" cy="246221"/>
+            <a:off x="5376884" y="2668785"/>
+            <a:ext cx="377026" cy="307777"/>
           </a:xfrm>
           <a:prstGeom prst="rect">
             <a:avLst/>
@@ -3992,80 +3794,55 @@
           <a:lstStyle/>
           <a:p>
             <a:r>
-              <a:rPr lang="ko-KR" altLang="en-US" sz="1000">
-                <a:solidFill>
-                  <a:schemeClr val="tx1">
-                    <a:lumMod val="65000"/>
-                    <a:lumOff val="35000"/>
-                  </a:schemeClr>
-                </a:solidFill>
-              </a:rPr>
-              <a:t>비밀번호</a:t>
-            </a:r>
-            <a:endParaRPr lang="ko-KR" altLang="en-US" sz="1000" dirty="0">
-              <a:solidFill>
-                <a:schemeClr val="tx1">
-                  <a:lumMod val="65000"/>
-                  <a:lumOff val="35000"/>
-                </a:schemeClr>
-              </a:solidFill>
-            </a:endParaRPr>
-          </a:p>
-        </p:txBody>
-      </p:sp>
-      <p:sp>
-        <p:nvSpPr>
-          <p:cNvPr id="25" name="직사각형 24">
-            <a:extLst>
-              <a:ext uri="{FF2B5EF4-FFF2-40B4-BE49-F238E27FC236}">
-                <a16:creationId xmlns:a16="http://schemas.microsoft.com/office/drawing/2014/main" id="{787911CA-437A-1369-F366-0F4B7D6AF114}"/>
-              </a:ext>
-            </a:extLst>
-          </p:cNvPr>
-          <p:cNvSpPr/>
+              <a:rPr lang="en-US" altLang="ko-KR" sz="1400"/>
+              <a:t>a2</a:t>
+            </a:r>
+            <a:endParaRPr lang="ko-KR" altLang="en-US" sz="1400" dirty="0"/>
+          </a:p>
+        </p:txBody>
+      </p:sp>
+      <p:sp>
+        <p:nvSpPr>
+          <p:cNvPr id="16" name="TextBox 15">
+            <a:extLst>
+              <a:ext uri="{FF2B5EF4-FFF2-40B4-BE49-F238E27FC236}">
+                <a16:creationId xmlns:a16="http://schemas.microsoft.com/office/drawing/2014/main" id="{B83CD297-AAB4-B43E-D2DF-7BB577B462EB}"/>
+              </a:ext>
+            </a:extLst>
+          </p:cNvPr>
+          <p:cNvSpPr txBox="1"/>
           <p:nvPr/>
         </p:nvSpPr>
         <p:spPr>
           <a:xfrm>
-            <a:off x="3842253" y="3733263"/>
-            <a:ext cx="1493520" cy="327660"/>
+            <a:off x="5376884" y="2998951"/>
+            <a:ext cx="377026" cy="307777"/>
           </a:xfrm>
           <a:prstGeom prst="rect">
             <a:avLst/>
           </a:prstGeom>
           <a:noFill/>
         </p:spPr>
-        <p:style>
-          <a:lnRef idx="2">
-            <a:schemeClr val="accent1">
-              <a:shade val="50000"/>
-            </a:schemeClr>
-          </a:lnRef>
-          <a:fillRef idx="1">
-            <a:schemeClr val="accent1"/>
-          </a:fillRef>
-          <a:effectRef idx="0">
-            <a:schemeClr val="accent1"/>
-          </a:effectRef>
-          <a:fontRef idx="minor">
-            <a:schemeClr val="lt1"/>
-          </a:fontRef>
-        </p:style>
-        <p:txBody>
-          <a:bodyPr rtlCol="0" anchor="ctr"/>
-          <a:lstStyle/>
-          <a:p>
-            <a:pPr algn="ctr"/>
-            <a:endParaRPr lang="ko-KR" altLang="en-US" dirty="0"/>
-          </a:p>
-        </p:txBody>
-      </p:sp>
-      <p:sp>
-        <p:nvSpPr>
-          <p:cNvPr id="26" name="TextBox 25">
-            <a:extLst>
-              <a:ext uri="{FF2B5EF4-FFF2-40B4-BE49-F238E27FC236}">
-                <a16:creationId xmlns:a16="http://schemas.microsoft.com/office/drawing/2014/main" id="{626193DB-94D2-201C-A15E-FB828F730A8B}"/>
+        <p:txBody>
+          <a:bodyPr wrap="none" rtlCol="0">
+            <a:spAutoFit/>
+          </a:bodyPr>
+          <a:lstStyle/>
+          <a:p>
+            <a:r>
+              <a:rPr lang="en-US" altLang="ko-KR" sz="1400" dirty="0"/>
+              <a:t>a3</a:t>
+            </a:r>
+            <a:endParaRPr lang="ko-KR" altLang="en-US" sz="1400" dirty="0"/>
+          </a:p>
+        </p:txBody>
+      </p:sp>
+      <p:sp>
+        <p:nvSpPr>
+          <p:cNvPr id="17" name="TextBox 16">
+            <a:extLst>
+              <a:ext uri="{FF2B5EF4-FFF2-40B4-BE49-F238E27FC236}">
+                <a16:creationId xmlns:a16="http://schemas.microsoft.com/office/drawing/2014/main" id="{470C5D6A-0267-FBBF-D49C-C53A2AC087E2}"/>
               </a:ext>
             </a:extLst>
           </p:cNvPr>
@@ -4074,8 +3851,8 @@
         </p:nvSpPr>
         <p:spPr>
           <a:xfrm>
-            <a:off x="3941314" y="3773982"/>
-            <a:ext cx="998991" cy="246221"/>
+            <a:off x="5376884" y="3345894"/>
+            <a:ext cx="377026" cy="307777"/>
           </a:xfrm>
           <a:prstGeom prst="rect">
             <a:avLst/>
@@ -4089,25 +3866,19 @@
           <a:lstStyle/>
           <a:p>
             <a:r>
-              <a:rPr lang="ko-KR" altLang="en-US" sz="1000" dirty="0">
-                <a:solidFill>
-                  <a:schemeClr val="tx1">
-                    <a:lumMod val="65000"/>
-                    <a:lumOff val="35000"/>
-                  </a:schemeClr>
-                </a:solidFill>
-              </a:rPr>
-              <a:t>비밀번호 확인</a:t>
-            </a:r>
-          </a:p>
-        </p:txBody>
-      </p:sp>
-      <p:sp>
-        <p:nvSpPr>
-          <p:cNvPr id="27" name="TextBox 26">
-            <a:extLst>
-              <a:ext uri="{FF2B5EF4-FFF2-40B4-BE49-F238E27FC236}">
-                <a16:creationId xmlns:a16="http://schemas.microsoft.com/office/drawing/2014/main" id="{7BF5BC33-651A-CC74-27B4-AAD72212BABC}"/>
+              <a:rPr lang="en-US" altLang="ko-KR" sz="1400" dirty="0"/>
+              <a:t>a4</a:t>
+            </a:r>
+            <a:endParaRPr lang="ko-KR" altLang="en-US" sz="1400" dirty="0"/>
+          </a:p>
+        </p:txBody>
+      </p:sp>
+      <p:sp>
+        <p:nvSpPr>
+          <p:cNvPr id="18" name="TextBox 17">
+            <a:extLst>
+              <a:ext uri="{FF2B5EF4-FFF2-40B4-BE49-F238E27FC236}">
+                <a16:creationId xmlns:a16="http://schemas.microsoft.com/office/drawing/2014/main" id="{4924E3C7-83EB-42F6-1C6A-E2FA792CE75A}"/>
               </a:ext>
             </a:extLst>
           </p:cNvPr>
@@ -4116,8 +3887,8 @@
         </p:nvSpPr>
         <p:spPr>
           <a:xfrm>
-            <a:off x="4883230" y="2976146"/>
-            <a:ext cx="492443" cy="184666"/>
+            <a:off x="5376884" y="3695758"/>
+            <a:ext cx="377026" cy="307777"/>
           </a:xfrm>
           <a:prstGeom prst="rect">
             <a:avLst/>
@@ -4131,115 +3902,19 @@
           <a:lstStyle/>
           <a:p>
             <a:r>
-              <a:rPr lang="ko-KR" altLang="en-US" sz="600" dirty="0">
-                <a:solidFill>
-                  <a:srgbClr val="00B050"/>
-                </a:solidFill>
-              </a:rPr>
-              <a:t>사용가능</a:t>
-            </a:r>
-          </a:p>
-        </p:txBody>
-      </p:sp>
-      <p:sp>
-        <p:nvSpPr>
-          <p:cNvPr id="28" name="TextBox 27">
-            <a:extLst>
-              <a:ext uri="{FF2B5EF4-FFF2-40B4-BE49-F238E27FC236}">
-                <a16:creationId xmlns:a16="http://schemas.microsoft.com/office/drawing/2014/main" id="{89E63488-DE47-4BEE-2457-DCB3386A4D58}"/>
-              </a:ext>
-            </a:extLst>
-          </p:cNvPr>
-          <p:cNvSpPr txBox="1"/>
-          <p:nvPr/>
-        </p:nvSpPr>
-        <p:spPr>
-          <a:xfrm>
-            <a:off x="4997219" y="4092237"/>
-            <a:ext cx="338554" cy="184666"/>
-          </a:xfrm>
-          <a:prstGeom prst="rect">
-            <a:avLst/>
-          </a:prstGeom>
-          <a:noFill/>
-        </p:spPr>
-        <p:txBody>
-          <a:bodyPr wrap="none" rtlCol="0">
-            <a:spAutoFit/>
-          </a:bodyPr>
-          <a:lstStyle/>
-          <a:p>
-            <a:r>
-              <a:rPr lang="ko-KR" altLang="en-US" sz="600">
-                <a:solidFill>
-                  <a:srgbClr val="00B050"/>
-                </a:solidFill>
-              </a:rPr>
-              <a:t>일치</a:t>
-            </a:r>
-            <a:endParaRPr lang="ko-KR" altLang="en-US" sz="600" dirty="0">
-              <a:solidFill>
-                <a:srgbClr val="00B050"/>
-              </a:solidFill>
-            </a:endParaRPr>
-          </a:p>
-        </p:txBody>
-      </p:sp>
-      <p:sp>
-        <p:nvSpPr>
-          <p:cNvPr id="29" name="직사각형 28">
-            <a:extLst>
-              <a:ext uri="{FF2B5EF4-FFF2-40B4-BE49-F238E27FC236}">
-                <a16:creationId xmlns:a16="http://schemas.microsoft.com/office/drawing/2014/main" id="{84B730ED-B990-91A9-9115-E832BF16D6F5}"/>
-              </a:ext>
-            </a:extLst>
-          </p:cNvPr>
-          <p:cNvSpPr/>
-          <p:nvPr/>
-        </p:nvSpPr>
-        <p:spPr>
-          <a:xfrm>
-            <a:off x="4079105" y="4435614"/>
-            <a:ext cx="1019815" cy="327660"/>
-          </a:xfrm>
-          <a:prstGeom prst="rect">
-            <a:avLst/>
-          </a:prstGeom>
-        </p:spPr>
-        <p:style>
-          <a:lnRef idx="2">
-            <a:schemeClr val="accent1">
-              <a:shade val="50000"/>
-            </a:schemeClr>
-          </a:lnRef>
-          <a:fillRef idx="1">
-            <a:schemeClr val="accent1"/>
-          </a:fillRef>
-          <a:effectRef idx="0">
-            <a:schemeClr val="accent1"/>
-          </a:effectRef>
-          <a:fontRef idx="minor">
-            <a:schemeClr val="lt1"/>
-          </a:fontRef>
-        </p:style>
-        <p:txBody>
-          <a:bodyPr rtlCol="0" anchor="ctr"/>
-          <a:lstStyle/>
-          <a:p>
-            <a:pPr algn="ctr"/>
-            <a:r>
-              <a:rPr lang="ko-KR" altLang="en-US" sz="1400" dirty="0"/>
-              <a:t>가입하기</a:t>
-            </a:r>
+              <a:rPr lang="en-US" altLang="ko-KR" sz="1400" dirty="0"/>
+              <a:t>a5</a:t>
+            </a:r>
+            <a:endParaRPr lang="ko-KR" altLang="en-US" sz="1400" dirty="0"/>
           </a:p>
         </p:txBody>
       </p:sp>
       <p:pic>
         <p:nvPicPr>
-          <p:cNvPr id="31" name="Picture 2" descr="핸드폰 상자 | 상자, 배경">
-            <a:extLst>
-              <a:ext uri="{FF2B5EF4-FFF2-40B4-BE49-F238E27FC236}">
-                <a16:creationId xmlns:a16="http://schemas.microsoft.com/office/drawing/2014/main" id="{8685F65C-ADCE-9915-831D-810073421241}"/>
+          <p:cNvPr id="19" name="Picture 2" descr="핸드폰 상자 | 상자, 배경">
+            <a:extLst>
+              <a:ext uri="{FF2B5EF4-FFF2-40B4-BE49-F238E27FC236}">
+                <a16:creationId xmlns:a16="http://schemas.microsoft.com/office/drawing/2014/main" id="{6C487BC5-CDBE-6A83-21ED-35DE70E72934}"/>
               </a:ext>
             </a:extLst>
           </p:cNvPr>
@@ -4287,7 +3962,7 @@
         </p:blipFill>
         <p:spPr bwMode="auto">
           <a:xfrm>
-            <a:off x="6405858" y="1047750"/>
+            <a:off x="8285869" y="1047750"/>
             <a:ext cx="2448000" cy="4762500"/>
           </a:xfrm>
           <a:prstGeom prst="rect">
@@ -4307,10 +3982,10 @@
       </p:pic>
       <p:cxnSp>
         <p:nvCxnSpPr>
-          <p:cNvPr id="1025" name="직선 연결선 1024">
-            <a:extLst>
-              <a:ext uri="{FF2B5EF4-FFF2-40B4-BE49-F238E27FC236}">
-                <a16:creationId xmlns:a16="http://schemas.microsoft.com/office/drawing/2014/main" id="{1D7D669C-B92F-5310-CD38-CDF693F6F087}"/>
+          <p:cNvPr id="20" name="직선 연결선 19">
+            <a:extLst>
+              <a:ext uri="{FF2B5EF4-FFF2-40B4-BE49-F238E27FC236}">
+                <a16:creationId xmlns:a16="http://schemas.microsoft.com/office/drawing/2014/main" id="{04717C45-49A6-12A6-EAE9-FEFFA83C1DAE}"/>
               </a:ext>
             </a:extLst>
           </p:cNvPr>
@@ -4319,7 +3994,7 @@
         </p:nvCxnSpPr>
         <p:spPr>
           <a:xfrm>
-            <a:off x="6799278" y="2196822"/>
+            <a:off x="8679289" y="2196822"/>
             <a:ext cx="1661160" cy="0"/>
           </a:xfrm>
           <a:prstGeom prst="line">
@@ -4343,10 +4018,10 @@
       </p:cxnSp>
       <p:sp>
         <p:nvSpPr>
-          <p:cNvPr id="1027" name="TextBox 1026">
-            <a:extLst>
-              <a:ext uri="{FF2B5EF4-FFF2-40B4-BE49-F238E27FC236}">
-                <a16:creationId xmlns:a16="http://schemas.microsoft.com/office/drawing/2014/main" id="{944FA7B0-0F05-D34A-4097-32510A78A0AA}"/>
+          <p:cNvPr id="21" name="TextBox 20">
+            <a:extLst>
+              <a:ext uri="{FF2B5EF4-FFF2-40B4-BE49-F238E27FC236}">
+                <a16:creationId xmlns:a16="http://schemas.microsoft.com/office/drawing/2014/main" id="{0C571B6A-E315-CEB7-0B04-324FC35138B0}"/>
               </a:ext>
             </a:extLst>
           </p:cNvPr>
@@ -4355,8 +4030,8 @@
         </p:nvSpPr>
         <p:spPr>
           <a:xfrm>
-            <a:off x="6847202" y="1827490"/>
-            <a:ext cx="877163" cy="369332"/>
+            <a:off x="8727213" y="1827490"/>
+            <a:ext cx="1436612" cy="369332"/>
           </a:xfrm>
           <a:prstGeom prst="rect">
             <a:avLst/>
@@ -4370,514 +4045,57 @@
           <a:lstStyle/>
           <a:p>
             <a:r>
+              <a:rPr lang="en-US" altLang="ko-KR" dirty="0"/>
+              <a:t>a2</a:t>
+            </a:r>
+            <a:r>
               <a:rPr lang="ko-KR" altLang="en-US" dirty="0"/>
-              <a:t>나 </a:t>
-            </a:r>
-            <a:r>
-              <a:rPr lang="en-US" altLang="ko-KR" dirty="0"/>
-              <a:t>: a1</a:t>
-            </a:r>
-            <a:endParaRPr lang="ko-KR" altLang="en-US" dirty="0"/>
-          </a:p>
-        </p:txBody>
-      </p:sp>
-      <p:grpSp>
-        <p:nvGrpSpPr>
-          <p:cNvPr id="1038" name="그룹 1037">
-            <a:extLst>
-              <a:ext uri="{FF2B5EF4-FFF2-40B4-BE49-F238E27FC236}">
-                <a16:creationId xmlns:a16="http://schemas.microsoft.com/office/drawing/2014/main" id="{531393C4-4C39-6A88-4C8A-81B015E508A8}"/>
-              </a:ext>
-            </a:extLst>
-          </p:cNvPr>
-          <p:cNvGrpSpPr/>
+              <a:t>와의 대화</a:t>
+            </a:r>
+          </a:p>
+        </p:txBody>
+      </p:sp>
+      <p:sp>
+        <p:nvSpPr>
+          <p:cNvPr id="1032" name="TextBox 1031">
+            <a:extLst>
+              <a:ext uri="{FF2B5EF4-FFF2-40B4-BE49-F238E27FC236}">
+                <a16:creationId xmlns:a16="http://schemas.microsoft.com/office/drawing/2014/main" id="{561ECEE6-0B8D-D98F-9A47-30B9BBB5C7CD}"/>
+              </a:ext>
+            </a:extLst>
+          </p:cNvPr>
+          <p:cNvSpPr txBox="1"/>
           <p:nvPr/>
-        </p:nvGrpSpPr>
-        <p:grpSpPr>
-          <a:xfrm>
-            <a:off x="6944058" y="2355949"/>
-            <a:ext cx="1371600" cy="276999"/>
-            <a:chOff x="7991176" y="2287606"/>
-            <a:chExt cx="1371600" cy="276999"/>
-          </a:xfrm>
-        </p:grpSpPr>
-        <p:cxnSp>
-          <p:nvCxnSpPr>
-            <p:cNvPr id="1029" name="직선 연결선 1028">
-              <a:extLst>
-                <a:ext uri="{FF2B5EF4-FFF2-40B4-BE49-F238E27FC236}">
-                  <a16:creationId xmlns:a16="http://schemas.microsoft.com/office/drawing/2014/main" id="{78B4B2EB-F2AC-829B-CD03-A476603D8E80}"/>
-                </a:ext>
-              </a:extLst>
-            </p:cNvPr>
-            <p:cNvCxnSpPr/>
-            <p:nvPr/>
-          </p:nvCxnSpPr>
-          <p:spPr>
-            <a:xfrm>
-              <a:off x="7991176" y="2564605"/>
-              <a:ext cx="1371600" cy="0"/>
-            </a:xfrm>
-            <a:prstGeom prst="line">
-              <a:avLst/>
-            </a:prstGeom>
-          </p:spPr>
-          <p:style>
-            <a:lnRef idx="1">
-              <a:schemeClr val="accent1"/>
-            </a:lnRef>
-            <a:fillRef idx="0">
-              <a:schemeClr val="accent1"/>
-            </a:fillRef>
-            <a:effectRef idx="0">
-              <a:schemeClr val="accent1"/>
-            </a:effectRef>
-            <a:fontRef idx="minor">
-              <a:schemeClr val="tx1"/>
-            </a:fontRef>
-          </p:style>
-        </p:cxnSp>
-        <p:sp>
-          <p:nvSpPr>
-            <p:cNvPr id="1030" name="TextBox 1029">
-              <a:extLst>
-                <a:ext uri="{FF2B5EF4-FFF2-40B4-BE49-F238E27FC236}">
-                  <a16:creationId xmlns:a16="http://schemas.microsoft.com/office/drawing/2014/main" id="{1E5449F0-4A56-44A6-518D-8152983C6936}"/>
-                </a:ext>
-              </a:extLst>
-            </p:cNvPr>
-            <p:cNvSpPr txBox="1"/>
-            <p:nvPr/>
-          </p:nvSpPr>
-          <p:spPr>
-            <a:xfrm>
-              <a:off x="8167060" y="2287606"/>
-              <a:ext cx="1019831" cy="276999"/>
-            </a:xfrm>
-            <a:prstGeom prst="rect">
-              <a:avLst/>
-            </a:prstGeom>
-            <a:noFill/>
-          </p:spPr>
-          <p:txBody>
-            <a:bodyPr wrap="none" rtlCol="0">
-              <a:spAutoFit/>
-            </a:bodyPr>
-            <a:lstStyle/>
-            <a:p>
-              <a:r>
-                <a:rPr lang="en-US" altLang="ko-KR" sz="1200" dirty="0"/>
-                <a:t>a2</a:t>
-              </a:r>
-              <a:r>
-                <a:rPr lang="ko-KR" altLang="en-US" sz="1200" dirty="0"/>
-                <a:t>와의 대화</a:t>
-              </a:r>
-            </a:p>
-          </p:txBody>
-        </p:sp>
-      </p:grpSp>
-      <p:grpSp>
-        <p:nvGrpSpPr>
-          <p:cNvPr id="1047" name="그룹 1046">
-            <a:extLst>
-              <a:ext uri="{FF2B5EF4-FFF2-40B4-BE49-F238E27FC236}">
-                <a16:creationId xmlns:a16="http://schemas.microsoft.com/office/drawing/2014/main" id="{7F32DFA7-69D7-941C-00CA-6AA7528A51BD}"/>
-              </a:ext>
-            </a:extLst>
-          </p:cNvPr>
-          <p:cNvGrpSpPr/>
-          <p:nvPr/>
-        </p:nvGrpSpPr>
-        <p:grpSpPr>
-          <a:xfrm>
-            <a:off x="6944058" y="2823497"/>
-            <a:ext cx="1371600" cy="276999"/>
-            <a:chOff x="7991176" y="2287606"/>
-            <a:chExt cx="1371600" cy="276999"/>
-          </a:xfrm>
-        </p:grpSpPr>
-        <p:cxnSp>
-          <p:nvCxnSpPr>
-            <p:cNvPr id="1048" name="직선 연결선 1047">
-              <a:extLst>
-                <a:ext uri="{FF2B5EF4-FFF2-40B4-BE49-F238E27FC236}">
-                  <a16:creationId xmlns:a16="http://schemas.microsoft.com/office/drawing/2014/main" id="{A9E80545-989A-0069-BEAB-C4232E8077AE}"/>
-                </a:ext>
-              </a:extLst>
-            </p:cNvPr>
-            <p:cNvCxnSpPr/>
-            <p:nvPr/>
-          </p:nvCxnSpPr>
-          <p:spPr>
-            <a:xfrm>
-              <a:off x="7991176" y="2564605"/>
-              <a:ext cx="1371600" cy="0"/>
-            </a:xfrm>
-            <a:prstGeom prst="line">
-              <a:avLst/>
-            </a:prstGeom>
-          </p:spPr>
-          <p:style>
-            <a:lnRef idx="1">
-              <a:schemeClr val="accent1"/>
-            </a:lnRef>
-            <a:fillRef idx="0">
-              <a:schemeClr val="accent1"/>
-            </a:fillRef>
-            <a:effectRef idx="0">
-              <a:schemeClr val="accent1"/>
-            </a:effectRef>
-            <a:fontRef idx="minor">
-              <a:schemeClr val="tx1"/>
-            </a:fontRef>
-          </p:style>
-        </p:cxnSp>
-        <p:sp>
-          <p:nvSpPr>
-            <p:cNvPr id="1049" name="TextBox 1048">
-              <a:extLst>
-                <a:ext uri="{FF2B5EF4-FFF2-40B4-BE49-F238E27FC236}">
-                  <a16:creationId xmlns:a16="http://schemas.microsoft.com/office/drawing/2014/main" id="{26D83F5A-AB64-B17F-6BA4-2E44A4A1F39D}"/>
-                </a:ext>
-              </a:extLst>
-            </p:cNvPr>
-            <p:cNvSpPr txBox="1"/>
-            <p:nvPr/>
-          </p:nvSpPr>
-          <p:spPr>
-            <a:xfrm>
-              <a:off x="8167060" y="2287606"/>
-              <a:ext cx="1019831" cy="276999"/>
-            </a:xfrm>
-            <a:prstGeom prst="rect">
-              <a:avLst/>
-            </a:prstGeom>
-            <a:noFill/>
-          </p:spPr>
-          <p:txBody>
-            <a:bodyPr wrap="none" rtlCol="0">
-              <a:spAutoFit/>
-            </a:bodyPr>
-            <a:lstStyle/>
-            <a:p>
-              <a:r>
-                <a:rPr lang="en-US" altLang="ko-KR" sz="1200" dirty="0"/>
-                <a:t>a3</a:t>
-              </a:r>
-              <a:r>
-                <a:rPr lang="ko-KR" altLang="en-US" sz="1200" dirty="0"/>
-                <a:t>와의 대화</a:t>
-              </a:r>
-            </a:p>
-          </p:txBody>
-        </p:sp>
-      </p:grpSp>
-      <p:grpSp>
-        <p:nvGrpSpPr>
-          <p:cNvPr id="1058" name="그룹 1057">
-            <a:extLst>
-              <a:ext uri="{FF2B5EF4-FFF2-40B4-BE49-F238E27FC236}">
-                <a16:creationId xmlns:a16="http://schemas.microsoft.com/office/drawing/2014/main" id="{BA509105-426A-6EAF-C3AF-C4356C1273CC}"/>
-              </a:ext>
-            </a:extLst>
-          </p:cNvPr>
-          <p:cNvGrpSpPr/>
-          <p:nvPr/>
-        </p:nvGrpSpPr>
-        <p:grpSpPr>
-          <a:xfrm>
-            <a:off x="6944058" y="3291045"/>
-            <a:ext cx="1371600" cy="276999"/>
-            <a:chOff x="7991176" y="2287606"/>
-            <a:chExt cx="1371600" cy="276999"/>
-          </a:xfrm>
-        </p:grpSpPr>
-        <p:cxnSp>
-          <p:nvCxnSpPr>
-            <p:cNvPr id="1059" name="직선 연결선 1058">
-              <a:extLst>
-                <a:ext uri="{FF2B5EF4-FFF2-40B4-BE49-F238E27FC236}">
-                  <a16:creationId xmlns:a16="http://schemas.microsoft.com/office/drawing/2014/main" id="{D05EAA50-1920-5ECA-39EC-55D64D8A9597}"/>
-                </a:ext>
-              </a:extLst>
-            </p:cNvPr>
-            <p:cNvCxnSpPr/>
-            <p:nvPr/>
-          </p:nvCxnSpPr>
-          <p:spPr>
-            <a:xfrm>
-              <a:off x="7991176" y="2564605"/>
-              <a:ext cx="1371600" cy="0"/>
-            </a:xfrm>
-            <a:prstGeom prst="line">
-              <a:avLst/>
-            </a:prstGeom>
-          </p:spPr>
-          <p:style>
-            <a:lnRef idx="1">
-              <a:schemeClr val="accent1"/>
-            </a:lnRef>
-            <a:fillRef idx="0">
-              <a:schemeClr val="accent1"/>
-            </a:fillRef>
-            <a:effectRef idx="0">
-              <a:schemeClr val="accent1"/>
-            </a:effectRef>
-            <a:fontRef idx="minor">
-              <a:schemeClr val="tx1"/>
-            </a:fontRef>
-          </p:style>
-        </p:cxnSp>
-        <p:sp>
-          <p:nvSpPr>
-            <p:cNvPr id="1060" name="TextBox 1059">
-              <a:extLst>
-                <a:ext uri="{FF2B5EF4-FFF2-40B4-BE49-F238E27FC236}">
-                  <a16:creationId xmlns:a16="http://schemas.microsoft.com/office/drawing/2014/main" id="{B782517D-F1C3-4CF0-6FA2-3C6FD72BD37A}"/>
-                </a:ext>
-              </a:extLst>
-            </p:cNvPr>
-            <p:cNvSpPr txBox="1"/>
-            <p:nvPr/>
-          </p:nvSpPr>
-          <p:spPr>
-            <a:xfrm>
-              <a:off x="8167060" y="2287606"/>
-              <a:ext cx="1019831" cy="276999"/>
-            </a:xfrm>
-            <a:prstGeom prst="rect">
-              <a:avLst/>
-            </a:prstGeom>
-            <a:noFill/>
-          </p:spPr>
-          <p:txBody>
-            <a:bodyPr wrap="none" rtlCol="0">
-              <a:spAutoFit/>
-            </a:bodyPr>
-            <a:lstStyle/>
-            <a:p>
-              <a:r>
-                <a:rPr lang="en-US" altLang="ko-KR" sz="1200" dirty="0"/>
-                <a:t>a4</a:t>
-              </a:r>
-              <a:r>
-                <a:rPr lang="ko-KR" altLang="en-US" sz="1200" dirty="0"/>
-                <a:t>와의 대화</a:t>
-              </a:r>
-            </a:p>
-          </p:txBody>
-        </p:sp>
-      </p:grpSp>
-      <p:grpSp>
-        <p:nvGrpSpPr>
-          <p:cNvPr id="1061" name="그룹 1060">
-            <a:extLst>
-              <a:ext uri="{FF2B5EF4-FFF2-40B4-BE49-F238E27FC236}">
-                <a16:creationId xmlns:a16="http://schemas.microsoft.com/office/drawing/2014/main" id="{2C96213E-EA1C-A18E-48AC-34FF5AE16850}"/>
-              </a:ext>
-            </a:extLst>
-          </p:cNvPr>
-          <p:cNvGrpSpPr/>
-          <p:nvPr/>
-        </p:nvGrpSpPr>
-        <p:grpSpPr>
-          <a:xfrm>
-            <a:off x="6944058" y="3758592"/>
-            <a:ext cx="1371600" cy="276999"/>
-            <a:chOff x="7991176" y="2287606"/>
-            <a:chExt cx="1371600" cy="276999"/>
-          </a:xfrm>
-        </p:grpSpPr>
-        <p:cxnSp>
-          <p:nvCxnSpPr>
-            <p:cNvPr id="1062" name="직선 연결선 1061">
-              <a:extLst>
-                <a:ext uri="{FF2B5EF4-FFF2-40B4-BE49-F238E27FC236}">
-                  <a16:creationId xmlns:a16="http://schemas.microsoft.com/office/drawing/2014/main" id="{F4B23F93-3179-E7D9-E3A3-4AF772A956E3}"/>
-                </a:ext>
-              </a:extLst>
-            </p:cNvPr>
-            <p:cNvCxnSpPr/>
-            <p:nvPr/>
-          </p:nvCxnSpPr>
-          <p:spPr>
-            <a:xfrm>
-              <a:off x="7991176" y="2564605"/>
-              <a:ext cx="1371600" cy="0"/>
-            </a:xfrm>
-            <a:prstGeom prst="line">
-              <a:avLst/>
-            </a:prstGeom>
-          </p:spPr>
-          <p:style>
-            <a:lnRef idx="1">
-              <a:schemeClr val="accent1"/>
-            </a:lnRef>
-            <a:fillRef idx="0">
-              <a:schemeClr val="accent1"/>
-            </a:fillRef>
-            <a:effectRef idx="0">
-              <a:schemeClr val="accent1"/>
-            </a:effectRef>
-            <a:fontRef idx="minor">
-              <a:schemeClr val="tx1"/>
-            </a:fontRef>
-          </p:style>
-        </p:cxnSp>
-        <p:sp>
-          <p:nvSpPr>
-            <p:cNvPr id="1063" name="TextBox 1062">
-              <a:extLst>
-                <a:ext uri="{FF2B5EF4-FFF2-40B4-BE49-F238E27FC236}">
-                  <a16:creationId xmlns:a16="http://schemas.microsoft.com/office/drawing/2014/main" id="{260B4C3E-91A1-8967-50EC-A3B05BF21C0F}"/>
-                </a:ext>
-              </a:extLst>
-            </p:cNvPr>
-            <p:cNvSpPr txBox="1"/>
-            <p:nvPr/>
-          </p:nvSpPr>
-          <p:spPr>
-            <a:xfrm>
-              <a:off x="8167060" y="2287606"/>
-              <a:ext cx="1019831" cy="276999"/>
-            </a:xfrm>
-            <a:prstGeom prst="rect">
-              <a:avLst/>
-            </a:prstGeom>
-            <a:noFill/>
-          </p:spPr>
-          <p:txBody>
-            <a:bodyPr wrap="none" rtlCol="0">
-              <a:spAutoFit/>
-            </a:bodyPr>
-            <a:lstStyle/>
-            <a:p>
-              <a:r>
-                <a:rPr lang="en-US" altLang="ko-KR" sz="1200" dirty="0"/>
-                <a:t>a5</a:t>
-              </a:r>
-              <a:r>
-                <a:rPr lang="ko-KR" altLang="en-US" sz="1200" dirty="0"/>
-                <a:t>와의 대화</a:t>
-              </a:r>
-            </a:p>
-          </p:txBody>
-        </p:sp>
-      </p:grpSp>
-      <p:pic>
-        <p:nvPicPr>
-          <p:cNvPr id="1064" name="Picture 2" descr="핸드폰 상자 | 상자, 배경">
-            <a:extLst>
-              <a:ext uri="{FF2B5EF4-FFF2-40B4-BE49-F238E27FC236}">
-                <a16:creationId xmlns:a16="http://schemas.microsoft.com/office/drawing/2014/main" id="{E9577075-5493-BE1C-CE5A-361A6849263A}"/>
-              </a:ext>
-            </a:extLst>
-          </p:cNvPr>
-          <p:cNvPicPr>
-            <a:picLocks noChangeAspect="1" noChangeArrowheads="1"/>
-          </p:cNvPicPr>
-          <p:nvPr/>
-        </p:nvPicPr>
-        <p:blipFill rotWithShape="1">
-          <a:blip r:embed="rId2">
-            <a:extLst>
-              <a:ext uri="{BEBA8EAE-BF5A-486C-A8C5-ECC9F3942E4B}">
-                <a14:imgProps xmlns:a14="http://schemas.microsoft.com/office/drawing/2010/main">
-                  <a14:imgLayer r:embed="rId3">
-                    <a14:imgEffect>
-                      <a14:backgroundRemoval t="4400" b="97600" l="10000" r="90000">
-                        <a14:foregroundMark x1="29800" y1="4200" x2="60000" y2="4400"/>
-                        <a14:foregroundMark x1="60000" y1="4400" x2="60400" y2="4400"/>
-                        <a14:foregroundMark x1="38600" y1="30600" x2="43200" y2="48400"/>
-                        <a14:foregroundMark x1="47400" y1="24400" x2="46600" y2="78000"/>
-                        <a14:foregroundMark x1="58800" y1="35800" x2="54600" y2="74800"/>
-                        <a14:foregroundMark x1="34400" y1="40200" x2="35800" y2="70400"/>
-                        <a14:foregroundMark x1="35800" y1="70400" x2="47000" y2="82000"/>
-                        <a14:foregroundMark x1="47000" y1="82000" x2="58400" y2="79000"/>
-                        <a14:foregroundMark x1="58400" y1="79000" x2="63000" y2="71600"/>
-                        <a14:foregroundMark x1="36600" y1="34400" x2="52200" y2="21000"/>
-                        <a14:foregroundMark x1="52200" y1="21000" x2="64200" y2="33600"/>
-                        <a14:foregroundMark x1="64200" y1="33600" x2="65400" y2="36800"/>
-                        <a14:foregroundMark x1="28000" y1="92600" x2="50200" y2="94600"/>
-                        <a14:foregroundMark x1="50200" y1="94600" x2="71000" y2="93600"/>
-                        <a14:foregroundMark x1="29200" y1="98600" x2="56000" y2="97400"/>
-                        <a14:foregroundMark x1="56000" y1="97400" x2="69800" y2="97600"/>
-                      </a14:backgroundRemoval>
-                    </a14:imgEffect>
-                  </a14:imgLayer>
-                </a14:imgProps>
-              </a:ext>
-              <a:ext uri="{28A0092B-C50C-407E-A947-70E740481C1C}">
-                <a14:useLocalDpi xmlns:a14="http://schemas.microsoft.com/office/drawing/2010/main" val="0"/>
-              </a:ext>
-            </a:extLst>
-          </a:blip>
-          <a:srcRect l="23684" r="24915"/>
-          <a:stretch/>
-        </p:blipFill>
-        <p:spPr bwMode="auto">
-          <a:xfrm>
-            <a:off x="9447875" y="1047750"/>
-            <a:ext cx="2448000" cy="4762500"/>
+        </p:nvSpPr>
+        <p:spPr>
+          <a:xfrm>
+            <a:off x="8882133" y="2311330"/>
+            <a:ext cx="1255472" cy="246221"/>
           </a:xfrm>
           <a:prstGeom prst="rect">
             <a:avLst/>
           </a:prstGeom>
           <a:noFill/>
-          <a:extLst>
-            <a:ext uri="{909E8E84-426E-40DD-AFC4-6F175D3DCCD1}">
-              <a14:hiddenFill xmlns:a14="http://schemas.microsoft.com/office/drawing/2010/main">
-                <a:solidFill>
-                  <a:srgbClr val="FFFFFF"/>
-                </a:solidFill>
-              </a14:hiddenFill>
-            </a:ext>
-          </a:extLst>
-        </p:spPr>
-      </p:pic>
-      <p:cxnSp>
-        <p:nvCxnSpPr>
-          <p:cNvPr id="1065" name="직선 연결선 1064">
-            <a:extLst>
-              <a:ext uri="{FF2B5EF4-FFF2-40B4-BE49-F238E27FC236}">
-                <a16:creationId xmlns:a16="http://schemas.microsoft.com/office/drawing/2014/main" id="{6269EF6F-A99B-12A1-4625-153C59644BCE}"/>
-              </a:ext>
-            </a:extLst>
-          </p:cNvPr>
-          <p:cNvCxnSpPr/>
-          <p:nvPr/>
-        </p:nvCxnSpPr>
-        <p:spPr>
-          <a:xfrm>
-            <a:off x="9748175" y="2009775"/>
-            <a:ext cx="1828800" cy="0"/>
-          </a:xfrm>
-          <a:prstGeom prst="line">
-            <a:avLst/>
-          </a:prstGeom>
-        </p:spPr>
-        <p:style>
-          <a:lnRef idx="1">
-            <a:schemeClr val="accent1"/>
-          </a:lnRef>
-          <a:fillRef idx="0">
-            <a:schemeClr val="accent1"/>
-          </a:fillRef>
-          <a:effectRef idx="0">
-            <a:schemeClr val="accent1"/>
-          </a:effectRef>
-          <a:fontRef idx="minor">
-            <a:schemeClr val="tx1"/>
-          </a:fontRef>
-        </p:style>
-      </p:cxnSp>
-      <p:sp>
-        <p:nvSpPr>
-          <p:cNvPr id="1066" name="TextBox 1065">
-            <a:extLst>
-              <a:ext uri="{FF2B5EF4-FFF2-40B4-BE49-F238E27FC236}">
-                <a16:creationId xmlns:a16="http://schemas.microsoft.com/office/drawing/2014/main" id="{81E9593A-BACD-24D0-7C65-BFB35D8BF030}"/>
+        </p:spPr>
+        <p:txBody>
+          <a:bodyPr wrap="none" rtlCol="0">
+            <a:spAutoFit/>
+          </a:bodyPr>
+          <a:lstStyle/>
+          <a:p>
+            <a:r>
+              <a:rPr lang="ko-KR" altLang="en-US" sz="1000"/>
+              <a:t>대화를 시작합니다</a:t>
+            </a:r>
+          </a:p>
+        </p:txBody>
+      </p:sp>
+      <p:sp>
+        <p:nvSpPr>
+          <p:cNvPr id="1033" name="TextBox 1032">
+            <a:extLst>
+              <a:ext uri="{FF2B5EF4-FFF2-40B4-BE49-F238E27FC236}">
+                <a16:creationId xmlns:a16="http://schemas.microsoft.com/office/drawing/2014/main" id="{F3F5AF23-736E-BF65-F916-04DA35550661}"/>
               </a:ext>
             </a:extLst>
           </p:cNvPr>
@@ -4886,8 +4104,8 @@
         </p:nvSpPr>
         <p:spPr>
           <a:xfrm>
-            <a:off x="9748175" y="1723251"/>
-            <a:ext cx="1019831" cy="276999"/>
+            <a:off x="8695534" y="2596166"/>
+            <a:ext cx="1071127" cy="261610"/>
           </a:xfrm>
           <a:prstGeom prst="rect">
             <a:avLst/>
@@ -4901,22 +4119,22 @@
           <a:lstStyle/>
           <a:p>
             <a:r>
-              <a:rPr lang="en-US" altLang="ko-KR" sz="1200" dirty="0"/>
-              <a:t>a2</a:t>
-            </a:r>
-            <a:r>
-              <a:rPr lang="ko-KR" altLang="en-US" sz="1200" dirty="0"/>
-              <a:t>와의 대화</a:t>
-            </a:r>
-          </a:p>
-        </p:txBody>
-      </p:sp>
-      <p:sp>
-        <p:nvSpPr>
-          <p:cNvPr id="1067" name="TextBox 1066">
-            <a:extLst>
-              <a:ext uri="{FF2B5EF4-FFF2-40B4-BE49-F238E27FC236}">
-                <a16:creationId xmlns:a16="http://schemas.microsoft.com/office/drawing/2014/main" id="{0079877F-BC28-B6C4-8F0E-5F179336FB4C}"/>
+              <a:rPr lang="en-US" altLang="ko-KR" sz="1050"/>
+              <a:t>a1:</a:t>
+            </a:r>
+            <a:r>
+              <a:rPr lang="ko-KR" altLang="en-US" sz="1050" dirty="0"/>
+              <a:t>안녕하세요</a:t>
+            </a:r>
+          </a:p>
+        </p:txBody>
+      </p:sp>
+      <p:sp>
+        <p:nvSpPr>
+          <p:cNvPr id="1034" name="TextBox 1033">
+            <a:extLst>
+              <a:ext uri="{FF2B5EF4-FFF2-40B4-BE49-F238E27FC236}">
+                <a16:creationId xmlns:a16="http://schemas.microsoft.com/office/drawing/2014/main" id="{36508C84-96D1-9C4C-4F78-0EBEC09619D4}"/>
               </a:ext>
             </a:extLst>
           </p:cNvPr>
@@ -4925,8 +4143,8 @@
         </p:nvSpPr>
         <p:spPr>
           <a:xfrm>
-            <a:off x="9748175" y="2128450"/>
-            <a:ext cx="1152880" cy="276999"/>
+            <a:off x="8695534" y="2884955"/>
+            <a:ext cx="1031051" cy="253916"/>
           </a:xfrm>
           <a:prstGeom prst="rect">
             <a:avLst/>
@@ -4940,22 +4158,22 @@
           <a:lstStyle/>
           <a:p>
             <a:r>
-              <a:rPr lang="en-US" altLang="ko-KR" sz="1200"/>
-              <a:t>a1:</a:t>
-            </a:r>
-            <a:r>
-              <a:rPr lang="ko-KR" altLang="en-US" sz="1200" dirty="0"/>
-              <a:t>안녕하세요</a:t>
-            </a:r>
-          </a:p>
-        </p:txBody>
-      </p:sp>
-      <p:sp>
-        <p:nvSpPr>
-          <p:cNvPr id="1068" name="TextBox 1067">
-            <a:extLst>
-              <a:ext uri="{FF2B5EF4-FFF2-40B4-BE49-F238E27FC236}">
-                <a16:creationId xmlns:a16="http://schemas.microsoft.com/office/drawing/2014/main" id="{7E8A9E2F-577B-EE60-4478-29BADEA31253}"/>
+              <a:rPr lang="en-US" altLang="ko-KR" sz="1050" dirty="0"/>
+              <a:t>a2:</a:t>
+            </a:r>
+            <a:r>
+              <a:rPr lang="ko-KR" altLang="en-US" sz="1050" dirty="0"/>
+              <a:t>반갑습니다</a:t>
+            </a:r>
+          </a:p>
+        </p:txBody>
+      </p:sp>
+      <p:sp>
+        <p:nvSpPr>
+          <p:cNvPr id="1035" name="TextBox 1034">
+            <a:extLst>
+              <a:ext uri="{FF2B5EF4-FFF2-40B4-BE49-F238E27FC236}">
+                <a16:creationId xmlns:a16="http://schemas.microsoft.com/office/drawing/2014/main" id="{00F231DA-4E42-3D3D-1486-4E62B5AD4B80}"/>
               </a:ext>
             </a:extLst>
           </p:cNvPr>
@@ -4964,8 +4182,8 @@
         </p:nvSpPr>
         <p:spPr>
           <a:xfrm>
-            <a:off x="9748175" y="2405449"/>
-            <a:ext cx="1152880" cy="276999"/>
+            <a:off x="8695534" y="3175923"/>
+            <a:ext cx="1300356" cy="253916"/>
           </a:xfrm>
           <a:prstGeom prst="rect">
             <a:avLst/>
@@ -4979,22 +4197,23 @@
           <a:lstStyle/>
           <a:p>
             <a:r>
-              <a:rPr lang="en-US" altLang="ko-KR" sz="1200" dirty="0"/>
-              <a:t>a2:</a:t>
-            </a:r>
-            <a:r>
-              <a:rPr lang="ko-KR" altLang="en-US" sz="1200" dirty="0"/>
-              <a:t>안녕하세요</a:t>
-            </a:r>
-          </a:p>
-        </p:txBody>
-      </p:sp>
-      <p:sp>
-        <p:nvSpPr>
-          <p:cNvPr id="1069" name="TextBox 1068">
-            <a:extLst>
-              <a:ext uri="{FF2B5EF4-FFF2-40B4-BE49-F238E27FC236}">
-                <a16:creationId xmlns:a16="http://schemas.microsoft.com/office/drawing/2014/main" id="{D12302C8-2352-8F2F-50F8-EE60006E61AB}"/>
+              <a:rPr lang="en-US" altLang="ko-KR" sz="1050" dirty="0"/>
+              <a:t>a1:</a:t>
+            </a:r>
+            <a:r>
+              <a:rPr lang="ko-KR" altLang="en-US" sz="1050" dirty="0" err="1"/>
+              <a:t>이제나가볼게요</a:t>
+            </a:r>
+            <a:endParaRPr lang="ko-KR" altLang="en-US" sz="1050" dirty="0"/>
+          </a:p>
+        </p:txBody>
+      </p:sp>
+      <p:sp>
+        <p:nvSpPr>
+          <p:cNvPr id="1036" name="TextBox 1035">
+            <a:extLst>
+              <a:ext uri="{FF2B5EF4-FFF2-40B4-BE49-F238E27FC236}">
+                <a16:creationId xmlns:a16="http://schemas.microsoft.com/office/drawing/2014/main" id="{CB4D859E-EBEE-CA1E-C0F5-0CC7903B6C12}"/>
               </a:ext>
             </a:extLst>
           </p:cNvPr>
@@ -5003,8 +4222,8 @@
         </p:nvSpPr>
         <p:spPr>
           <a:xfrm>
-            <a:off x="9748175" y="2694802"/>
-            <a:ext cx="1152880" cy="276999"/>
+            <a:off x="8695534" y="3469570"/>
+            <a:ext cx="1165704" cy="253916"/>
           </a:xfrm>
           <a:prstGeom prst="rect">
             <a:avLst/>
@@ -5018,22 +4237,23 @@
           <a:lstStyle/>
           <a:p>
             <a:r>
-              <a:rPr lang="en-US" altLang="ko-KR" sz="1200"/>
-              <a:t>a1:</a:t>
-            </a:r>
-            <a:r>
-              <a:rPr lang="ko-KR" altLang="en-US" sz="1200" dirty="0"/>
-              <a:t>반갑습니다</a:t>
-            </a:r>
-          </a:p>
-        </p:txBody>
-      </p:sp>
-      <p:sp>
-        <p:nvSpPr>
-          <p:cNvPr id="1070" name="TextBox 1069">
-            <a:extLst>
-              <a:ext uri="{FF2B5EF4-FFF2-40B4-BE49-F238E27FC236}">
-                <a16:creationId xmlns:a16="http://schemas.microsoft.com/office/drawing/2014/main" id="{09BB298B-638D-B6E4-881A-2DF6DCBD9AD3}"/>
+              <a:rPr lang="en-US" altLang="ko-KR" sz="1050" dirty="0"/>
+              <a:t>a2:</a:t>
+            </a:r>
+            <a:r>
+              <a:rPr lang="ko-KR" altLang="en-US" sz="1050" dirty="0" err="1"/>
+              <a:t>안녕히가세요</a:t>
+            </a:r>
+            <a:endParaRPr lang="ko-KR" altLang="en-US" sz="1050" dirty="0"/>
+          </a:p>
+        </p:txBody>
+      </p:sp>
+      <p:sp>
+        <p:nvSpPr>
+          <p:cNvPr id="1037" name="TextBox 1036">
+            <a:extLst>
+              <a:ext uri="{FF2B5EF4-FFF2-40B4-BE49-F238E27FC236}">
+                <a16:creationId xmlns:a16="http://schemas.microsoft.com/office/drawing/2014/main" id="{7B5B547B-1A90-2F5A-E68F-EACE01332EF4}"/>
               </a:ext>
             </a:extLst>
           </p:cNvPr>
@@ -5042,8 +4262,8 @@
         </p:nvSpPr>
         <p:spPr>
           <a:xfrm>
-            <a:off x="9748175" y="3013502"/>
-            <a:ext cx="1152880" cy="276999"/>
+            <a:off x="8882133" y="3851966"/>
+            <a:ext cx="1255472" cy="246221"/>
           </a:xfrm>
           <a:prstGeom prst="rect">
             <a:avLst/>
@@ -5057,58 +4277,18 @@
           <a:lstStyle/>
           <a:p>
             <a:r>
-              <a:rPr lang="en-US" altLang="ko-KR" sz="1200" dirty="0"/>
-              <a:t>a2:</a:t>
-            </a:r>
-            <a:r>
-              <a:rPr lang="ko-KR" altLang="en-US" sz="1200" dirty="0" err="1"/>
-              <a:t>저도그래요</a:t>
-            </a:r>
-            <a:endParaRPr lang="ko-KR" altLang="en-US" sz="1200" dirty="0"/>
-          </a:p>
-        </p:txBody>
-      </p:sp>
-      <p:sp>
-        <p:nvSpPr>
-          <p:cNvPr id="1071" name="TextBox 1070">
-            <a:extLst>
-              <a:ext uri="{FF2B5EF4-FFF2-40B4-BE49-F238E27FC236}">
-                <a16:creationId xmlns:a16="http://schemas.microsoft.com/office/drawing/2014/main" id="{0E252D10-3FB5-F7C1-A70F-B66F2EACC0B0}"/>
-              </a:ext>
-            </a:extLst>
-          </p:cNvPr>
-          <p:cNvSpPr txBox="1"/>
-          <p:nvPr/>
-        </p:nvSpPr>
-        <p:spPr>
-          <a:xfrm>
-            <a:off x="9981138" y="3517598"/>
-            <a:ext cx="1362874" cy="261610"/>
-          </a:xfrm>
-          <a:prstGeom prst="rect">
-            <a:avLst/>
-          </a:prstGeom>
-          <a:noFill/>
-        </p:spPr>
-        <p:txBody>
-          <a:bodyPr wrap="none" rtlCol="0">
-            <a:spAutoFit/>
-          </a:bodyPr>
-          <a:lstStyle/>
-          <a:p>
-            <a:r>
-              <a:rPr lang="ko-KR" altLang="en-US" sz="1100"/>
-              <a:t>대화가 끝났습니다</a:t>
-            </a:r>
-          </a:p>
-        </p:txBody>
-      </p:sp>
-      <p:sp>
-        <p:nvSpPr>
-          <p:cNvPr id="1072" name="사각형: 둥근 모서리 1071">
-            <a:extLst>
-              <a:ext uri="{FF2B5EF4-FFF2-40B4-BE49-F238E27FC236}">
-                <a16:creationId xmlns:a16="http://schemas.microsoft.com/office/drawing/2014/main" id="{56B195A2-2980-0B95-E21F-1293D0F666FD}"/>
+              <a:rPr lang="ko-KR" altLang="en-US" sz="1000" dirty="0"/>
+              <a:t>대화를 종료합니다</a:t>
+            </a:r>
+          </a:p>
+        </p:txBody>
+      </p:sp>
+      <p:sp>
+        <p:nvSpPr>
+          <p:cNvPr id="1039" name="사각형: 둥근 모서리 1038">
+            <a:extLst>
+              <a:ext uri="{FF2B5EF4-FFF2-40B4-BE49-F238E27FC236}">
+                <a16:creationId xmlns:a16="http://schemas.microsoft.com/office/drawing/2014/main" id="{6EE8621D-2D68-CBC0-C596-3174A93B83AD}"/>
               </a:ext>
             </a:extLst>
           </p:cNvPr>
@@ -5117,8 +4297,8 @@
         </p:nvSpPr>
         <p:spPr>
           <a:xfrm>
-            <a:off x="9748175" y="5124776"/>
-            <a:ext cx="1362875" cy="248305"/>
+            <a:off x="8579223" y="5128324"/>
+            <a:ext cx="1398737" cy="261604"/>
           </a:xfrm>
           <a:prstGeom prst="roundRect">
             <a:avLst/>
@@ -5152,10 +4332,10 @@
       </p:sp>
       <p:sp>
         <p:nvSpPr>
-          <p:cNvPr id="1073" name="사각형: 둥근 모서리 1072">
-            <a:extLst>
-              <a:ext uri="{FF2B5EF4-FFF2-40B4-BE49-F238E27FC236}">
-                <a16:creationId xmlns:a16="http://schemas.microsoft.com/office/drawing/2014/main" id="{F1976129-C5FB-CCC6-B435-40B7A4FC1D73}"/>
+          <p:cNvPr id="1040" name="사각형: 둥근 모서리 1039">
+            <a:extLst>
+              <a:ext uri="{FF2B5EF4-FFF2-40B4-BE49-F238E27FC236}">
+                <a16:creationId xmlns:a16="http://schemas.microsoft.com/office/drawing/2014/main" id="{4D760D37-6D92-75F1-ABA0-E2ACD9BB62DC}"/>
               </a:ext>
             </a:extLst>
           </p:cNvPr>
@@ -5164,8 +4344,8 @@
         </p:nvSpPr>
         <p:spPr>
           <a:xfrm>
-            <a:off x="11215024" y="5124777"/>
-            <a:ext cx="361951" cy="248305"/>
+            <a:off x="10040469" y="5128324"/>
+            <a:ext cx="401913" cy="261604"/>
           </a:xfrm>
           <a:prstGeom prst="roundRect">
             <a:avLst/>
@@ -5192,16 +4372,16 @@
           <a:lstStyle/>
           <a:p>
             <a:pPr algn="ctr"/>
-            <a:endParaRPr lang="ko-KR" altLang="en-US" sz="700" dirty="0"/>
-          </a:p>
-        </p:txBody>
-      </p:sp>
-      <p:sp>
-        <p:nvSpPr>
-          <p:cNvPr id="1074" name="TextBox 1073">
-            <a:extLst>
-              <a:ext uri="{FF2B5EF4-FFF2-40B4-BE49-F238E27FC236}">
-                <a16:creationId xmlns:a16="http://schemas.microsoft.com/office/drawing/2014/main" id="{28AA35EE-5EE2-04C4-2060-C02B3E69029C}"/>
+            <a:endParaRPr lang="ko-KR" altLang="en-US"/>
+          </a:p>
+        </p:txBody>
+      </p:sp>
+      <p:sp>
+        <p:nvSpPr>
+          <p:cNvPr id="1041" name="TextBox 1040">
+            <a:extLst>
+              <a:ext uri="{FF2B5EF4-FFF2-40B4-BE49-F238E27FC236}">
+                <a16:creationId xmlns:a16="http://schemas.microsoft.com/office/drawing/2014/main" id="{D17D4CC2-7E2B-B7DC-CD60-2241809D7052}"/>
               </a:ext>
             </a:extLst>
           </p:cNvPr>
@@ -5210,7 +4390,7 @@
         </p:nvSpPr>
         <p:spPr>
           <a:xfrm>
-            <a:off x="11190777" y="5124776"/>
+            <a:off x="10047747" y="5136015"/>
             <a:ext cx="441146" cy="246221"/>
           </a:xfrm>
           <a:prstGeom prst="rect">
